--- a/ppt 16-9/1422.不要贪财.pptx
+++ b/ppt 16-9/1422.不要贪财.pptx
@@ -129,7 +129,7 @@
           <p:cNvPr id="2" name="标题 1">
             <a:extLst>
               <a:ext uri="{FF2B5EF4-FFF2-40B4-BE49-F238E27FC236}">
-                <a16:creationId xmlns:a16="http://schemas.microsoft.com/office/drawing/2014/main" id="{D43E3371-3AD7-9D4B-87E2-208339DB187C}"/>
+                <a16:creationId xmlns:a16="http://schemas.microsoft.com/office/drawing/2014/main" id="{E3E4C12E-5908-95E2-B053-CE35AE9A21BC}"/>
               </a:ext>
             </a:extLst>
           </p:cNvPr>
@@ -166,7 +166,7 @@
           <p:cNvPr id="3" name="副标题 2">
             <a:extLst>
               <a:ext uri="{FF2B5EF4-FFF2-40B4-BE49-F238E27FC236}">
-                <a16:creationId xmlns:a16="http://schemas.microsoft.com/office/drawing/2014/main" id="{9D5C5B1A-E792-EE68-810F-5947E1415FB1}"/>
+                <a16:creationId xmlns:a16="http://schemas.microsoft.com/office/drawing/2014/main" id="{6253D34E-0683-DF45-1B92-EDF2C44B3D55}"/>
               </a:ext>
             </a:extLst>
           </p:cNvPr>
@@ -236,7 +236,7 @@
           <p:cNvPr id="4" name="日期占位符 3">
             <a:extLst>
               <a:ext uri="{FF2B5EF4-FFF2-40B4-BE49-F238E27FC236}">
-                <a16:creationId xmlns:a16="http://schemas.microsoft.com/office/drawing/2014/main" id="{58E60BD6-97DB-75A2-969A-02BC0287D71A}"/>
+                <a16:creationId xmlns:a16="http://schemas.microsoft.com/office/drawing/2014/main" id="{410F2EA2-F1DC-0002-C593-BB7038CD39A3}"/>
               </a:ext>
             </a:extLst>
           </p:cNvPr>
@@ -252,7 +252,7 @@
           <a:bodyPr/>
           <a:lstStyle/>
           <a:p>
-            <a:fld id="{B5BBA411-823F-4EE8-9578-9D5CA0D25E36}" type="datetimeFigureOut">
+            <a:fld id="{1BC9C082-AFD6-4E1F-A80A-B3C525A73504}" type="datetimeFigureOut">
               <a:rPr lang="zh-CN" altLang="en-US" smtClean="0"/>
               <a:t>2024/3/10</a:t>
             </a:fld>
@@ -265,7 +265,7 @@
           <p:cNvPr id="5" name="页脚占位符 4">
             <a:extLst>
               <a:ext uri="{FF2B5EF4-FFF2-40B4-BE49-F238E27FC236}">
-                <a16:creationId xmlns:a16="http://schemas.microsoft.com/office/drawing/2014/main" id="{ABDFB057-7587-E126-52EE-7593FFD475E8}"/>
+                <a16:creationId xmlns:a16="http://schemas.microsoft.com/office/drawing/2014/main" id="{A3527693-5D97-D02A-823F-E768BD937CCC}"/>
               </a:ext>
             </a:extLst>
           </p:cNvPr>
@@ -290,7 +290,7 @@
           <p:cNvPr id="6" name="灯片编号占位符 5">
             <a:extLst>
               <a:ext uri="{FF2B5EF4-FFF2-40B4-BE49-F238E27FC236}">
-                <a16:creationId xmlns:a16="http://schemas.microsoft.com/office/drawing/2014/main" id="{07657E26-8323-85C8-907A-32273AC554A2}"/>
+                <a16:creationId xmlns:a16="http://schemas.microsoft.com/office/drawing/2014/main" id="{CD28FE03-1388-B6FD-3E2D-0438A0CFC9B9}"/>
               </a:ext>
             </a:extLst>
           </p:cNvPr>
@@ -306,7 +306,7 @@
           <a:bodyPr/>
           <a:lstStyle/>
           <a:p>
-            <a:fld id="{C029E016-1B31-4013-9191-B7BA7A85AE99}" type="slidenum">
+            <a:fld id="{BAC595D5-78A7-4000-8EAE-4C97D0E742C0}" type="slidenum">
               <a:rPr lang="zh-CN" altLang="en-US" smtClean="0"/>
               <a:t>‹#›</a:t>
             </a:fld>
@@ -317,7 +317,7 @@
     </p:spTree>
     <p:extLst>
       <p:ext uri="{BB962C8B-B14F-4D97-AF65-F5344CB8AC3E}">
-        <p14:creationId xmlns:p14="http://schemas.microsoft.com/office/powerpoint/2010/main" val="3561664067"/>
+        <p14:creationId xmlns:p14="http://schemas.microsoft.com/office/powerpoint/2010/main" val="383512439"/>
       </p:ext>
     </p:extLst>
   </p:cSld>
@@ -349,7 +349,7 @@
           <p:cNvPr id="2" name="标题 1">
             <a:extLst>
               <a:ext uri="{FF2B5EF4-FFF2-40B4-BE49-F238E27FC236}">
-                <a16:creationId xmlns:a16="http://schemas.microsoft.com/office/drawing/2014/main" id="{893FFD47-ED31-1162-EDF8-7B2181FCCE4C}"/>
+                <a16:creationId xmlns:a16="http://schemas.microsoft.com/office/drawing/2014/main" id="{FDCAD6D7-9DDD-AD3D-3029-528EF6FD1F6D}"/>
               </a:ext>
             </a:extLst>
           </p:cNvPr>
@@ -377,7 +377,7 @@
           <p:cNvPr id="3" name="竖排文字占位符 2">
             <a:extLst>
               <a:ext uri="{FF2B5EF4-FFF2-40B4-BE49-F238E27FC236}">
-                <a16:creationId xmlns:a16="http://schemas.microsoft.com/office/drawing/2014/main" id="{92004757-8CC7-BE7E-E83C-93B42FF6CF2D}"/>
+                <a16:creationId xmlns:a16="http://schemas.microsoft.com/office/drawing/2014/main" id="{0703751D-B858-A65F-17D8-2BD25D1FFD2B}"/>
               </a:ext>
             </a:extLst>
           </p:cNvPr>
@@ -434,7 +434,7 @@
           <p:cNvPr id="4" name="日期占位符 3">
             <a:extLst>
               <a:ext uri="{FF2B5EF4-FFF2-40B4-BE49-F238E27FC236}">
-                <a16:creationId xmlns:a16="http://schemas.microsoft.com/office/drawing/2014/main" id="{6EA0A468-4E4E-97C0-0604-9AA4EEED104F}"/>
+                <a16:creationId xmlns:a16="http://schemas.microsoft.com/office/drawing/2014/main" id="{75D2463E-A4DF-3EF4-4D47-3A61B785B8F3}"/>
               </a:ext>
             </a:extLst>
           </p:cNvPr>
@@ -450,7 +450,7 @@
           <a:bodyPr/>
           <a:lstStyle/>
           <a:p>
-            <a:fld id="{B5BBA411-823F-4EE8-9578-9D5CA0D25E36}" type="datetimeFigureOut">
+            <a:fld id="{1BC9C082-AFD6-4E1F-A80A-B3C525A73504}" type="datetimeFigureOut">
               <a:rPr lang="zh-CN" altLang="en-US" smtClean="0"/>
               <a:t>2024/3/10</a:t>
             </a:fld>
@@ -463,7 +463,7 @@
           <p:cNvPr id="5" name="页脚占位符 4">
             <a:extLst>
               <a:ext uri="{FF2B5EF4-FFF2-40B4-BE49-F238E27FC236}">
-                <a16:creationId xmlns:a16="http://schemas.microsoft.com/office/drawing/2014/main" id="{5F76E32E-E12F-6954-786C-F3D0CF9A13A0}"/>
+                <a16:creationId xmlns:a16="http://schemas.microsoft.com/office/drawing/2014/main" id="{FD74EA5D-76AB-9B3B-100B-057240E1C5A5}"/>
               </a:ext>
             </a:extLst>
           </p:cNvPr>
@@ -488,7 +488,7 @@
           <p:cNvPr id="6" name="灯片编号占位符 5">
             <a:extLst>
               <a:ext uri="{FF2B5EF4-FFF2-40B4-BE49-F238E27FC236}">
-                <a16:creationId xmlns:a16="http://schemas.microsoft.com/office/drawing/2014/main" id="{7EF11672-C7D4-5DE4-B669-F79EA816BD0E}"/>
+                <a16:creationId xmlns:a16="http://schemas.microsoft.com/office/drawing/2014/main" id="{74F39417-7977-22F9-BD79-28ED96D03A76}"/>
               </a:ext>
             </a:extLst>
           </p:cNvPr>
@@ -504,7 +504,7 @@
           <a:bodyPr/>
           <a:lstStyle/>
           <a:p>
-            <a:fld id="{C029E016-1B31-4013-9191-B7BA7A85AE99}" type="slidenum">
+            <a:fld id="{BAC595D5-78A7-4000-8EAE-4C97D0E742C0}" type="slidenum">
               <a:rPr lang="zh-CN" altLang="en-US" smtClean="0"/>
               <a:t>‹#›</a:t>
             </a:fld>
@@ -515,7 +515,7 @@
     </p:spTree>
     <p:extLst>
       <p:ext uri="{BB962C8B-B14F-4D97-AF65-F5344CB8AC3E}">
-        <p14:creationId xmlns:p14="http://schemas.microsoft.com/office/powerpoint/2010/main" val="617805743"/>
+        <p14:creationId xmlns:p14="http://schemas.microsoft.com/office/powerpoint/2010/main" val="145363758"/>
       </p:ext>
     </p:extLst>
   </p:cSld>
@@ -547,7 +547,7 @@
           <p:cNvPr id="2" name="竖排标题 1">
             <a:extLst>
               <a:ext uri="{FF2B5EF4-FFF2-40B4-BE49-F238E27FC236}">
-                <a16:creationId xmlns:a16="http://schemas.microsoft.com/office/drawing/2014/main" id="{CA6D18F3-BC05-1337-1349-904C6898F2EB}"/>
+                <a16:creationId xmlns:a16="http://schemas.microsoft.com/office/drawing/2014/main" id="{E3A6FE50-CCE8-1285-61AF-C27F21DCBDF0}"/>
               </a:ext>
             </a:extLst>
           </p:cNvPr>
@@ -580,7 +580,7 @@
           <p:cNvPr id="3" name="竖排文字占位符 2">
             <a:extLst>
               <a:ext uri="{FF2B5EF4-FFF2-40B4-BE49-F238E27FC236}">
-                <a16:creationId xmlns:a16="http://schemas.microsoft.com/office/drawing/2014/main" id="{74B6A67F-58E3-3691-DECF-3516A9CCE44E}"/>
+                <a16:creationId xmlns:a16="http://schemas.microsoft.com/office/drawing/2014/main" id="{BE74AE1E-2462-300A-06E1-1988F22EBE86}"/>
               </a:ext>
             </a:extLst>
           </p:cNvPr>
@@ -642,7 +642,7 @@
           <p:cNvPr id="4" name="日期占位符 3">
             <a:extLst>
               <a:ext uri="{FF2B5EF4-FFF2-40B4-BE49-F238E27FC236}">
-                <a16:creationId xmlns:a16="http://schemas.microsoft.com/office/drawing/2014/main" id="{AB6F9FC1-3F63-D48E-A92A-F9EDB0E8E2A0}"/>
+                <a16:creationId xmlns:a16="http://schemas.microsoft.com/office/drawing/2014/main" id="{22CA867A-A85D-D6CB-E26A-797D24A94914}"/>
               </a:ext>
             </a:extLst>
           </p:cNvPr>
@@ -658,7 +658,7 @@
           <a:bodyPr/>
           <a:lstStyle/>
           <a:p>
-            <a:fld id="{B5BBA411-823F-4EE8-9578-9D5CA0D25E36}" type="datetimeFigureOut">
+            <a:fld id="{1BC9C082-AFD6-4E1F-A80A-B3C525A73504}" type="datetimeFigureOut">
               <a:rPr lang="zh-CN" altLang="en-US" smtClean="0"/>
               <a:t>2024/3/10</a:t>
             </a:fld>
@@ -671,7 +671,7 @@
           <p:cNvPr id="5" name="页脚占位符 4">
             <a:extLst>
               <a:ext uri="{FF2B5EF4-FFF2-40B4-BE49-F238E27FC236}">
-                <a16:creationId xmlns:a16="http://schemas.microsoft.com/office/drawing/2014/main" id="{B5F3214A-BD59-456A-0C74-3EB9917A96CD}"/>
+                <a16:creationId xmlns:a16="http://schemas.microsoft.com/office/drawing/2014/main" id="{BAC1F887-9687-706D-DE1D-D8145169BDFF}"/>
               </a:ext>
             </a:extLst>
           </p:cNvPr>
@@ -696,7 +696,7 @@
           <p:cNvPr id="6" name="灯片编号占位符 5">
             <a:extLst>
               <a:ext uri="{FF2B5EF4-FFF2-40B4-BE49-F238E27FC236}">
-                <a16:creationId xmlns:a16="http://schemas.microsoft.com/office/drawing/2014/main" id="{1981F040-8993-5B60-9CF1-A996785D38D7}"/>
+                <a16:creationId xmlns:a16="http://schemas.microsoft.com/office/drawing/2014/main" id="{473C3D77-AD3E-F0DD-A147-FAD220CCCD9C}"/>
               </a:ext>
             </a:extLst>
           </p:cNvPr>
@@ -712,7 +712,7 @@
           <a:bodyPr/>
           <a:lstStyle/>
           <a:p>
-            <a:fld id="{C029E016-1B31-4013-9191-B7BA7A85AE99}" type="slidenum">
+            <a:fld id="{BAC595D5-78A7-4000-8EAE-4C97D0E742C0}" type="slidenum">
               <a:rPr lang="zh-CN" altLang="en-US" smtClean="0"/>
               <a:t>‹#›</a:t>
             </a:fld>
@@ -723,7 +723,7 @@
     </p:spTree>
     <p:extLst>
       <p:ext uri="{BB962C8B-B14F-4D97-AF65-F5344CB8AC3E}">
-        <p14:creationId xmlns:p14="http://schemas.microsoft.com/office/powerpoint/2010/main" val="3479505056"/>
+        <p14:creationId xmlns:p14="http://schemas.microsoft.com/office/powerpoint/2010/main" val="3197802913"/>
       </p:ext>
     </p:extLst>
   </p:cSld>
@@ -755,7 +755,7 @@
           <p:cNvPr id="2" name="标题 1">
             <a:extLst>
               <a:ext uri="{FF2B5EF4-FFF2-40B4-BE49-F238E27FC236}">
-                <a16:creationId xmlns:a16="http://schemas.microsoft.com/office/drawing/2014/main" id="{E3D70757-160F-C321-0675-B36344CDCF0F}"/>
+                <a16:creationId xmlns:a16="http://schemas.microsoft.com/office/drawing/2014/main" id="{DD8A7612-5D78-0732-D9E4-FD53D407BEBE}"/>
               </a:ext>
             </a:extLst>
           </p:cNvPr>
@@ -783,7 +783,7 @@
           <p:cNvPr id="3" name="内容占位符 2">
             <a:extLst>
               <a:ext uri="{FF2B5EF4-FFF2-40B4-BE49-F238E27FC236}">
-                <a16:creationId xmlns:a16="http://schemas.microsoft.com/office/drawing/2014/main" id="{26B7AC91-1A59-8E7D-07F4-1A99E820719A}"/>
+                <a16:creationId xmlns:a16="http://schemas.microsoft.com/office/drawing/2014/main" id="{0555B019-D3CB-4B7B-FB8D-D85D3074CC59}"/>
               </a:ext>
             </a:extLst>
           </p:cNvPr>
@@ -840,7 +840,7 @@
           <p:cNvPr id="4" name="日期占位符 3">
             <a:extLst>
               <a:ext uri="{FF2B5EF4-FFF2-40B4-BE49-F238E27FC236}">
-                <a16:creationId xmlns:a16="http://schemas.microsoft.com/office/drawing/2014/main" id="{2124D16B-CC20-9A9F-00B2-78D9C2ADC91E}"/>
+                <a16:creationId xmlns:a16="http://schemas.microsoft.com/office/drawing/2014/main" id="{A688B59E-94EB-A94B-C8BD-148322B7D3F3}"/>
               </a:ext>
             </a:extLst>
           </p:cNvPr>
@@ -856,7 +856,7 @@
           <a:bodyPr/>
           <a:lstStyle/>
           <a:p>
-            <a:fld id="{B5BBA411-823F-4EE8-9578-9D5CA0D25E36}" type="datetimeFigureOut">
+            <a:fld id="{1BC9C082-AFD6-4E1F-A80A-B3C525A73504}" type="datetimeFigureOut">
               <a:rPr lang="zh-CN" altLang="en-US" smtClean="0"/>
               <a:t>2024/3/10</a:t>
             </a:fld>
@@ -869,7 +869,7 @@
           <p:cNvPr id="5" name="页脚占位符 4">
             <a:extLst>
               <a:ext uri="{FF2B5EF4-FFF2-40B4-BE49-F238E27FC236}">
-                <a16:creationId xmlns:a16="http://schemas.microsoft.com/office/drawing/2014/main" id="{60441FE0-D18E-EE5E-C838-84495D871EA3}"/>
+                <a16:creationId xmlns:a16="http://schemas.microsoft.com/office/drawing/2014/main" id="{51BFDC35-F662-D03A-4F82-72DA64B0A09E}"/>
               </a:ext>
             </a:extLst>
           </p:cNvPr>
@@ -894,7 +894,7 @@
           <p:cNvPr id="6" name="灯片编号占位符 5">
             <a:extLst>
               <a:ext uri="{FF2B5EF4-FFF2-40B4-BE49-F238E27FC236}">
-                <a16:creationId xmlns:a16="http://schemas.microsoft.com/office/drawing/2014/main" id="{52655128-B59F-AE1F-C9EA-2524F9911616}"/>
+                <a16:creationId xmlns:a16="http://schemas.microsoft.com/office/drawing/2014/main" id="{09AEC817-B7B8-6AD1-3475-C2360E07E6E0}"/>
               </a:ext>
             </a:extLst>
           </p:cNvPr>
@@ -910,7 +910,7 @@
           <a:bodyPr/>
           <a:lstStyle/>
           <a:p>
-            <a:fld id="{C029E016-1B31-4013-9191-B7BA7A85AE99}" type="slidenum">
+            <a:fld id="{BAC595D5-78A7-4000-8EAE-4C97D0E742C0}" type="slidenum">
               <a:rPr lang="zh-CN" altLang="en-US" smtClean="0"/>
               <a:t>‹#›</a:t>
             </a:fld>
@@ -921,7 +921,7 @@
     </p:spTree>
     <p:extLst>
       <p:ext uri="{BB962C8B-B14F-4D97-AF65-F5344CB8AC3E}">
-        <p14:creationId xmlns:p14="http://schemas.microsoft.com/office/powerpoint/2010/main" val="2360663659"/>
+        <p14:creationId xmlns:p14="http://schemas.microsoft.com/office/powerpoint/2010/main" val="3477601589"/>
       </p:ext>
     </p:extLst>
   </p:cSld>
@@ -953,7 +953,7 @@
           <p:cNvPr id="2" name="标题 1">
             <a:extLst>
               <a:ext uri="{FF2B5EF4-FFF2-40B4-BE49-F238E27FC236}">
-                <a16:creationId xmlns:a16="http://schemas.microsoft.com/office/drawing/2014/main" id="{9BF458DB-D544-18BE-B8F1-D46143A50364}"/>
+                <a16:creationId xmlns:a16="http://schemas.microsoft.com/office/drawing/2014/main" id="{C2119D98-48BD-D778-5559-E69080AC1071}"/>
               </a:ext>
             </a:extLst>
           </p:cNvPr>
@@ -990,7 +990,7 @@
           <p:cNvPr id="3" name="文本占位符 2">
             <a:extLst>
               <a:ext uri="{FF2B5EF4-FFF2-40B4-BE49-F238E27FC236}">
-                <a16:creationId xmlns:a16="http://schemas.microsoft.com/office/drawing/2014/main" id="{7FFC6620-966D-0865-8389-9F54418BA723}"/>
+                <a16:creationId xmlns:a16="http://schemas.microsoft.com/office/drawing/2014/main" id="{AFD697B6-4843-46E8-C7B2-DE88B7DCC817}"/>
               </a:ext>
             </a:extLst>
           </p:cNvPr>
@@ -1115,7 +1115,7 @@
           <p:cNvPr id="4" name="日期占位符 3">
             <a:extLst>
               <a:ext uri="{FF2B5EF4-FFF2-40B4-BE49-F238E27FC236}">
-                <a16:creationId xmlns:a16="http://schemas.microsoft.com/office/drawing/2014/main" id="{BB3929E3-F748-073C-DD6B-A27F31E77158}"/>
+                <a16:creationId xmlns:a16="http://schemas.microsoft.com/office/drawing/2014/main" id="{835CCAF1-8730-A6D0-D3E7-DE887D230EF4}"/>
               </a:ext>
             </a:extLst>
           </p:cNvPr>
@@ -1131,7 +1131,7 @@
           <a:bodyPr/>
           <a:lstStyle/>
           <a:p>
-            <a:fld id="{B5BBA411-823F-4EE8-9578-9D5CA0D25E36}" type="datetimeFigureOut">
+            <a:fld id="{1BC9C082-AFD6-4E1F-A80A-B3C525A73504}" type="datetimeFigureOut">
               <a:rPr lang="zh-CN" altLang="en-US" smtClean="0"/>
               <a:t>2024/3/10</a:t>
             </a:fld>
@@ -1144,7 +1144,7 @@
           <p:cNvPr id="5" name="页脚占位符 4">
             <a:extLst>
               <a:ext uri="{FF2B5EF4-FFF2-40B4-BE49-F238E27FC236}">
-                <a16:creationId xmlns:a16="http://schemas.microsoft.com/office/drawing/2014/main" id="{8981B5AA-EF70-E3F4-7392-B86283AC15BF}"/>
+                <a16:creationId xmlns:a16="http://schemas.microsoft.com/office/drawing/2014/main" id="{A7F8A131-7A89-1E5B-9A82-E5AF1BD7D203}"/>
               </a:ext>
             </a:extLst>
           </p:cNvPr>
@@ -1169,7 +1169,7 @@
           <p:cNvPr id="6" name="灯片编号占位符 5">
             <a:extLst>
               <a:ext uri="{FF2B5EF4-FFF2-40B4-BE49-F238E27FC236}">
-                <a16:creationId xmlns:a16="http://schemas.microsoft.com/office/drawing/2014/main" id="{19741608-5DF1-A4EB-3272-805CD2210745}"/>
+                <a16:creationId xmlns:a16="http://schemas.microsoft.com/office/drawing/2014/main" id="{E920F562-0359-1C3E-238E-8C030CE24628}"/>
               </a:ext>
             </a:extLst>
           </p:cNvPr>
@@ -1185,7 +1185,7 @@
           <a:bodyPr/>
           <a:lstStyle/>
           <a:p>
-            <a:fld id="{C029E016-1B31-4013-9191-B7BA7A85AE99}" type="slidenum">
+            <a:fld id="{BAC595D5-78A7-4000-8EAE-4C97D0E742C0}" type="slidenum">
               <a:rPr lang="zh-CN" altLang="en-US" smtClean="0"/>
               <a:t>‹#›</a:t>
             </a:fld>
@@ -1196,7 +1196,7 @@
     </p:spTree>
     <p:extLst>
       <p:ext uri="{BB962C8B-B14F-4D97-AF65-F5344CB8AC3E}">
-        <p14:creationId xmlns:p14="http://schemas.microsoft.com/office/powerpoint/2010/main" val="3065043344"/>
+        <p14:creationId xmlns:p14="http://schemas.microsoft.com/office/powerpoint/2010/main" val="425802352"/>
       </p:ext>
     </p:extLst>
   </p:cSld>
@@ -1228,7 +1228,7 @@
           <p:cNvPr id="2" name="标题 1">
             <a:extLst>
               <a:ext uri="{FF2B5EF4-FFF2-40B4-BE49-F238E27FC236}">
-                <a16:creationId xmlns:a16="http://schemas.microsoft.com/office/drawing/2014/main" id="{F4031D65-9BCE-162E-D1B4-ED3AEEB1056B}"/>
+                <a16:creationId xmlns:a16="http://schemas.microsoft.com/office/drawing/2014/main" id="{7468A877-3119-485D-0C22-0384E5F134E3}"/>
               </a:ext>
             </a:extLst>
           </p:cNvPr>
@@ -1256,7 +1256,7 @@
           <p:cNvPr id="3" name="内容占位符 2">
             <a:extLst>
               <a:ext uri="{FF2B5EF4-FFF2-40B4-BE49-F238E27FC236}">
-                <a16:creationId xmlns:a16="http://schemas.microsoft.com/office/drawing/2014/main" id="{A1E9E85B-FB31-E649-B493-6830984D664C}"/>
+                <a16:creationId xmlns:a16="http://schemas.microsoft.com/office/drawing/2014/main" id="{1131D196-08DC-4516-462C-65B992F06127}"/>
               </a:ext>
             </a:extLst>
           </p:cNvPr>
@@ -1318,7 +1318,7 @@
           <p:cNvPr id="4" name="内容占位符 3">
             <a:extLst>
               <a:ext uri="{FF2B5EF4-FFF2-40B4-BE49-F238E27FC236}">
-                <a16:creationId xmlns:a16="http://schemas.microsoft.com/office/drawing/2014/main" id="{2C8C6DFD-D305-3272-A2D9-EDC81BA5CEA4}"/>
+                <a16:creationId xmlns:a16="http://schemas.microsoft.com/office/drawing/2014/main" id="{1F198B2E-2B3A-CD8E-712C-3514F2F28165}"/>
               </a:ext>
             </a:extLst>
           </p:cNvPr>
@@ -1380,7 +1380,7 @@
           <p:cNvPr id="5" name="日期占位符 4">
             <a:extLst>
               <a:ext uri="{FF2B5EF4-FFF2-40B4-BE49-F238E27FC236}">
-                <a16:creationId xmlns:a16="http://schemas.microsoft.com/office/drawing/2014/main" id="{F96E412E-DF48-0DFF-8B11-5BBE3D711716}"/>
+                <a16:creationId xmlns:a16="http://schemas.microsoft.com/office/drawing/2014/main" id="{04D695B9-1272-939B-18A2-82609C151925}"/>
               </a:ext>
             </a:extLst>
           </p:cNvPr>
@@ -1396,7 +1396,7 @@
           <a:bodyPr/>
           <a:lstStyle/>
           <a:p>
-            <a:fld id="{B5BBA411-823F-4EE8-9578-9D5CA0D25E36}" type="datetimeFigureOut">
+            <a:fld id="{1BC9C082-AFD6-4E1F-A80A-B3C525A73504}" type="datetimeFigureOut">
               <a:rPr lang="zh-CN" altLang="en-US" smtClean="0"/>
               <a:t>2024/3/10</a:t>
             </a:fld>
@@ -1409,7 +1409,7 @@
           <p:cNvPr id="6" name="页脚占位符 5">
             <a:extLst>
               <a:ext uri="{FF2B5EF4-FFF2-40B4-BE49-F238E27FC236}">
-                <a16:creationId xmlns:a16="http://schemas.microsoft.com/office/drawing/2014/main" id="{9E57F6F1-F391-0FF2-5A28-253F2BAD9C3A}"/>
+                <a16:creationId xmlns:a16="http://schemas.microsoft.com/office/drawing/2014/main" id="{90A5087A-6FB8-D0CA-173D-4C229A62CC02}"/>
               </a:ext>
             </a:extLst>
           </p:cNvPr>
@@ -1434,7 +1434,7 @@
           <p:cNvPr id="7" name="灯片编号占位符 6">
             <a:extLst>
               <a:ext uri="{FF2B5EF4-FFF2-40B4-BE49-F238E27FC236}">
-                <a16:creationId xmlns:a16="http://schemas.microsoft.com/office/drawing/2014/main" id="{435A55D7-899C-13F6-DC61-3B33CC403F82}"/>
+                <a16:creationId xmlns:a16="http://schemas.microsoft.com/office/drawing/2014/main" id="{7A8C4322-860C-4654-8E6B-1F6F6092EF19}"/>
               </a:ext>
             </a:extLst>
           </p:cNvPr>
@@ -1450,7 +1450,7 @@
           <a:bodyPr/>
           <a:lstStyle/>
           <a:p>
-            <a:fld id="{C029E016-1B31-4013-9191-B7BA7A85AE99}" type="slidenum">
+            <a:fld id="{BAC595D5-78A7-4000-8EAE-4C97D0E742C0}" type="slidenum">
               <a:rPr lang="zh-CN" altLang="en-US" smtClean="0"/>
               <a:t>‹#›</a:t>
             </a:fld>
@@ -1461,7 +1461,7 @@
     </p:spTree>
     <p:extLst>
       <p:ext uri="{BB962C8B-B14F-4D97-AF65-F5344CB8AC3E}">
-        <p14:creationId xmlns:p14="http://schemas.microsoft.com/office/powerpoint/2010/main" val="2354572278"/>
+        <p14:creationId xmlns:p14="http://schemas.microsoft.com/office/powerpoint/2010/main" val="542469617"/>
       </p:ext>
     </p:extLst>
   </p:cSld>
@@ -1493,7 +1493,7 @@
           <p:cNvPr id="2" name="标题 1">
             <a:extLst>
               <a:ext uri="{FF2B5EF4-FFF2-40B4-BE49-F238E27FC236}">
-                <a16:creationId xmlns:a16="http://schemas.microsoft.com/office/drawing/2014/main" id="{6A76CCA1-7F65-0DB0-2DAC-5560F4FC35C0}"/>
+                <a16:creationId xmlns:a16="http://schemas.microsoft.com/office/drawing/2014/main" id="{DB6A9685-9A24-1302-63A6-CDE0277CDBEA}"/>
               </a:ext>
             </a:extLst>
           </p:cNvPr>
@@ -1526,7 +1526,7 @@
           <p:cNvPr id="3" name="文本占位符 2">
             <a:extLst>
               <a:ext uri="{FF2B5EF4-FFF2-40B4-BE49-F238E27FC236}">
-                <a16:creationId xmlns:a16="http://schemas.microsoft.com/office/drawing/2014/main" id="{00EFAB11-0A7D-E4C7-8551-A176275FA986}"/>
+                <a16:creationId xmlns:a16="http://schemas.microsoft.com/office/drawing/2014/main" id="{ACF2C3D1-FF45-12A8-109C-58705E16CB62}"/>
               </a:ext>
             </a:extLst>
           </p:cNvPr>
@@ -1597,7 +1597,7 @@
           <p:cNvPr id="4" name="内容占位符 3">
             <a:extLst>
               <a:ext uri="{FF2B5EF4-FFF2-40B4-BE49-F238E27FC236}">
-                <a16:creationId xmlns:a16="http://schemas.microsoft.com/office/drawing/2014/main" id="{9B231F59-1947-10DA-5EB3-FC83E630C500}"/>
+                <a16:creationId xmlns:a16="http://schemas.microsoft.com/office/drawing/2014/main" id="{02808483-211C-3185-E087-480E1356575E}"/>
               </a:ext>
             </a:extLst>
           </p:cNvPr>
@@ -1659,7 +1659,7 @@
           <p:cNvPr id="5" name="文本占位符 4">
             <a:extLst>
               <a:ext uri="{FF2B5EF4-FFF2-40B4-BE49-F238E27FC236}">
-                <a16:creationId xmlns:a16="http://schemas.microsoft.com/office/drawing/2014/main" id="{C1F709AB-F50F-6C9E-BE4A-C1C68F41F3C9}"/>
+                <a16:creationId xmlns:a16="http://schemas.microsoft.com/office/drawing/2014/main" id="{7B9BB9AD-6DAE-0C25-AF0D-9AE06B2044C7}"/>
               </a:ext>
             </a:extLst>
           </p:cNvPr>
@@ -1730,7 +1730,7 @@
           <p:cNvPr id="6" name="内容占位符 5">
             <a:extLst>
               <a:ext uri="{FF2B5EF4-FFF2-40B4-BE49-F238E27FC236}">
-                <a16:creationId xmlns:a16="http://schemas.microsoft.com/office/drawing/2014/main" id="{6ECC0111-99C1-8206-10F2-F4D4B617BA8E}"/>
+                <a16:creationId xmlns:a16="http://schemas.microsoft.com/office/drawing/2014/main" id="{BC9DF9EA-C334-7752-7C4B-42A45BF0BD8C}"/>
               </a:ext>
             </a:extLst>
           </p:cNvPr>
@@ -1792,7 +1792,7 @@
           <p:cNvPr id="7" name="日期占位符 6">
             <a:extLst>
               <a:ext uri="{FF2B5EF4-FFF2-40B4-BE49-F238E27FC236}">
-                <a16:creationId xmlns:a16="http://schemas.microsoft.com/office/drawing/2014/main" id="{B77E5BB0-B9AC-B19E-CE72-9A1731FFF0E3}"/>
+                <a16:creationId xmlns:a16="http://schemas.microsoft.com/office/drawing/2014/main" id="{8F654BD5-6DC8-0C8E-012C-59F83A548E5E}"/>
               </a:ext>
             </a:extLst>
           </p:cNvPr>
@@ -1808,7 +1808,7 @@
           <a:bodyPr/>
           <a:lstStyle/>
           <a:p>
-            <a:fld id="{B5BBA411-823F-4EE8-9578-9D5CA0D25E36}" type="datetimeFigureOut">
+            <a:fld id="{1BC9C082-AFD6-4E1F-A80A-B3C525A73504}" type="datetimeFigureOut">
               <a:rPr lang="zh-CN" altLang="en-US" smtClean="0"/>
               <a:t>2024/3/10</a:t>
             </a:fld>
@@ -1821,7 +1821,7 @@
           <p:cNvPr id="8" name="页脚占位符 7">
             <a:extLst>
               <a:ext uri="{FF2B5EF4-FFF2-40B4-BE49-F238E27FC236}">
-                <a16:creationId xmlns:a16="http://schemas.microsoft.com/office/drawing/2014/main" id="{BB8C2A06-7D11-FBAA-08A0-8B7F37E0E08F}"/>
+                <a16:creationId xmlns:a16="http://schemas.microsoft.com/office/drawing/2014/main" id="{6AB2A7C1-1F7F-3881-564F-F599A0F0D381}"/>
               </a:ext>
             </a:extLst>
           </p:cNvPr>
@@ -1846,7 +1846,7 @@
           <p:cNvPr id="9" name="灯片编号占位符 8">
             <a:extLst>
               <a:ext uri="{FF2B5EF4-FFF2-40B4-BE49-F238E27FC236}">
-                <a16:creationId xmlns:a16="http://schemas.microsoft.com/office/drawing/2014/main" id="{3FCF7D8C-DAE8-A8C9-F960-2CE45A2FCD5F}"/>
+                <a16:creationId xmlns:a16="http://schemas.microsoft.com/office/drawing/2014/main" id="{5A963D94-D13C-E65C-CAC7-1BC7EA76DF11}"/>
               </a:ext>
             </a:extLst>
           </p:cNvPr>
@@ -1862,7 +1862,7 @@
           <a:bodyPr/>
           <a:lstStyle/>
           <a:p>
-            <a:fld id="{C029E016-1B31-4013-9191-B7BA7A85AE99}" type="slidenum">
+            <a:fld id="{BAC595D5-78A7-4000-8EAE-4C97D0E742C0}" type="slidenum">
               <a:rPr lang="zh-CN" altLang="en-US" smtClean="0"/>
               <a:t>‹#›</a:t>
             </a:fld>
@@ -1873,7 +1873,7 @@
     </p:spTree>
     <p:extLst>
       <p:ext uri="{BB962C8B-B14F-4D97-AF65-F5344CB8AC3E}">
-        <p14:creationId xmlns:p14="http://schemas.microsoft.com/office/powerpoint/2010/main" val="3126817401"/>
+        <p14:creationId xmlns:p14="http://schemas.microsoft.com/office/powerpoint/2010/main" val="1745108530"/>
       </p:ext>
     </p:extLst>
   </p:cSld>
@@ -1905,7 +1905,7 @@
           <p:cNvPr id="2" name="标题 1">
             <a:extLst>
               <a:ext uri="{FF2B5EF4-FFF2-40B4-BE49-F238E27FC236}">
-                <a16:creationId xmlns:a16="http://schemas.microsoft.com/office/drawing/2014/main" id="{AE5CE793-68E4-26D5-9071-A9E8F7EFFE42}"/>
+                <a16:creationId xmlns:a16="http://schemas.microsoft.com/office/drawing/2014/main" id="{33753B18-9A71-56D5-9F2D-2B686B5946AF}"/>
               </a:ext>
             </a:extLst>
           </p:cNvPr>
@@ -1933,7 +1933,7 @@
           <p:cNvPr id="3" name="日期占位符 2">
             <a:extLst>
               <a:ext uri="{FF2B5EF4-FFF2-40B4-BE49-F238E27FC236}">
-                <a16:creationId xmlns:a16="http://schemas.microsoft.com/office/drawing/2014/main" id="{FC53C6AC-A8AC-85E9-050C-46473DF36DB2}"/>
+                <a16:creationId xmlns:a16="http://schemas.microsoft.com/office/drawing/2014/main" id="{AE98D29A-7919-78D4-7C28-FF3458F6AD3C}"/>
               </a:ext>
             </a:extLst>
           </p:cNvPr>
@@ -1949,7 +1949,7 @@
           <a:bodyPr/>
           <a:lstStyle/>
           <a:p>
-            <a:fld id="{B5BBA411-823F-4EE8-9578-9D5CA0D25E36}" type="datetimeFigureOut">
+            <a:fld id="{1BC9C082-AFD6-4E1F-A80A-B3C525A73504}" type="datetimeFigureOut">
               <a:rPr lang="zh-CN" altLang="en-US" smtClean="0"/>
               <a:t>2024/3/10</a:t>
             </a:fld>
@@ -1962,7 +1962,7 @@
           <p:cNvPr id="4" name="页脚占位符 3">
             <a:extLst>
               <a:ext uri="{FF2B5EF4-FFF2-40B4-BE49-F238E27FC236}">
-                <a16:creationId xmlns:a16="http://schemas.microsoft.com/office/drawing/2014/main" id="{01ED5740-34CC-1867-2C5E-868B2094E040}"/>
+                <a16:creationId xmlns:a16="http://schemas.microsoft.com/office/drawing/2014/main" id="{B84E0172-48AB-CCDF-704D-39D48C0EBB4A}"/>
               </a:ext>
             </a:extLst>
           </p:cNvPr>
@@ -1987,7 +1987,7 @@
           <p:cNvPr id="5" name="灯片编号占位符 4">
             <a:extLst>
               <a:ext uri="{FF2B5EF4-FFF2-40B4-BE49-F238E27FC236}">
-                <a16:creationId xmlns:a16="http://schemas.microsoft.com/office/drawing/2014/main" id="{F00F762B-405F-16D5-AB4A-F4EA7EF8C668}"/>
+                <a16:creationId xmlns:a16="http://schemas.microsoft.com/office/drawing/2014/main" id="{7BCA9A98-BF0E-D8DF-E149-5E612DD0CA06}"/>
               </a:ext>
             </a:extLst>
           </p:cNvPr>
@@ -2003,7 +2003,7 @@
           <a:bodyPr/>
           <a:lstStyle/>
           <a:p>
-            <a:fld id="{C029E016-1B31-4013-9191-B7BA7A85AE99}" type="slidenum">
+            <a:fld id="{BAC595D5-78A7-4000-8EAE-4C97D0E742C0}" type="slidenum">
               <a:rPr lang="zh-CN" altLang="en-US" smtClean="0"/>
               <a:t>‹#›</a:t>
             </a:fld>
@@ -2014,7 +2014,7 @@
     </p:spTree>
     <p:extLst>
       <p:ext uri="{BB962C8B-B14F-4D97-AF65-F5344CB8AC3E}">
-        <p14:creationId xmlns:p14="http://schemas.microsoft.com/office/powerpoint/2010/main" val="3637965859"/>
+        <p14:creationId xmlns:p14="http://schemas.microsoft.com/office/powerpoint/2010/main" val="382051674"/>
       </p:ext>
     </p:extLst>
   </p:cSld>
@@ -2046,7 +2046,7 @@
           <p:cNvPr id="2" name="日期占位符 1">
             <a:extLst>
               <a:ext uri="{FF2B5EF4-FFF2-40B4-BE49-F238E27FC236}">
-                <a16:creationId xmlns:a16="http://schemas.microsoft.com/office/drawing/2014/main" id="{11990871-8F79-FE91-49A4-CD5905BFAD1B}"/>
+                <a16:creationId xmlns:a16="http://schemas.microsoft.com/office/drawing/2014/main" id="{F52C3405-67AF-D35E-9872-ADC0CECB6A6B}"/>
               </a:ext>
             </a:extLst>
           </p:cNvPr>
@@ -2062,7 +2062,7 @@
           <a:bodyPr/>
           <a:lstStyle/>
           <a:p>
-            <a:fld id="{B5BBA411-823F-4EE8-9578-9D5CA0D25E36}" type="datetimeFigureOut">
+            <a:fld id="{1BC9C082-AFD6-4E1F-A80A-B3C525A73504}" type="datetimeFigureOut">
               <a:rPr lang="zh-CN" altLang="en-US" smtClean="0"/>
               <a:t>2024/3/10</a:t>
             </a:fld>
@@ -2075,7 +2075,7 @@
           <p:cNvPr id="3" name="页脚占位符 2">
             <a:extLst>
               <a:ext uri="{FF2B5EF4-FFF2-40B4-BE49-F238E27FC236}">
-                <a16:creationId xmlns:a16="http://schemas.microsoft.com/office/drawing/2014/main" id="{DE593F79-BD8D-2A5A-37FF-9EDF15E01DCD}"/>
+                <a16:creationId xmlns:a16="http://schemas.microsoft.com/office/drawing/2014/main" id="{0CC30645-797E-62ED-B606-E49557A44CB4}"/>
               </a:ext>
             </a:extLst>
           </p:cNvPr>
@@ -2100,7 +2100,7 @@
           <p:cNvPr id="4" name="灯片编号占位符 3">
             <a:extLst>
               <a:ext uri="{FF2B5EF4-FFF2-40B4-BE49-F238E27FC236}">
-                <a16:creationId xmlns:a16="http://schemas.microsoft.com/office/drawing/2014/main" id="{F2181604-F228-8A8E-D3E8-9885BE200682}"/>
+                <a16:creationId xmlns:a16="http://schemas.microsoft.com/office/drawing/2014/main" id="{8FEB70E1-89FF-0925-429B-C036C884BA0E}"/>
               </a:ext>
             </a:extLst>
           </p:cNvPr>
@@ -2116,7 +2116,7 @@
           <a:bodyPr/>
           <a:lstStyle/>
           <a:p>
-            <a:fld id="{C029E016-1B31-4013-9191-B7BA7A85AE99}" type="slidenum">
+            <a:fld id="{BAC595D5-78A7-4000-8EAE-4C97D0E742C0}" type="slidenum">
               <a:rPr lang="zh-CN" altLang="en-US" smtClean="0"/>
               <a:t>‹#›</a:t>
             </a:fld>
@@ -2127,7 +2127,7 @@
     </p:spTree>
     <p:extLst>
       <p:ext uri="{BB962C8B-B14F-4D97-AF65-F5344CB8AC3E}">
-        <p14:creationId xmlns:p14="http://schemas.microsoft.com/office/powerpoint/2010/main" val="3377878966"/>
+        <p14:creationId xmlns:p14="http://schemas.microsoft.com/office/powerpoint/2010/main" val="2830700864"/>
       </p:ext>
     </p:extLst>
   </p:cSld>
@@ -2159,7 +2159,7 @@
           <p:cNvPr id="2" name="标题 1">
             <a:extLst>
               <a:ext uri="{FF2B5EF4-FFF2-40B4-BE49-F238E27FC236}">
-                <a16:creationId xmlns:a16="http://schemas.microsoft.com/office/drawing/2014/main" id="{91794BF4-4A48-CB95-E283-0BEA1145B002}"/>
+                <a16:creationId xmlns:a16="http://schemas.microsoft.com/office/drawing/2014/main" id="{AD7780F6-7CDA-D4A7-4FCD-72A32D9E34DE}"/>
               </a:ext>
             </a:extLst>
           </p:cNvPr>
@@ -2196,7 +2196,7 @@
           <p:cNvPr id="3" name="内容占位符 2">
             <a:extLst>
               <a:ext uri="{FF2B5EF4-FFF2-40B4-BE49-F238E27FC236}">
-                <a16:creationId xmlns:a16="http://schemas.microsoft.com/office/drawing/2014/main" id="{15FFB498-7D15-FB9B-528E-BEEFDE8E439F}"/>
+                <a16:creationId xmlns:a16="http://schemas.microsoft.com/office/drawing/2014/main" id="{0160966F-07CF-E986-CA6D-1E7066083446}"/>
               </a:ext>
             </a:extLst>
           </p:cNvPr>
@@ -2286,7 +2286,7 @@
           <p:cNvPr id="4" name="文本占位符 3">
             <a:extLst>
               <a:ext uri="{FF2B5EF4-FFF2-40B4-BE49-F238E27FC236}">
-                <a16:creationId xmlns:a16="http://schemas.microsoft.com/office/drawing/2014/main" id="{53A5FCDB-D8FA-8B8B-F095-1A1FBDF2BED4}"/>
+                <a16:creationId xmlns:a16="http://schemas.microsoft.com/office/drawing/2014/main" id="{8C25E027-3786-B746-B9C2-75072A53C74B}"/>
               </a:ext>
             </a:extLst>
           </p:cNvPr>
@@ -2357,7 +2357,7 @@
           <p:cNvPr id="5" name="日期占位符 4">
             <a:extLst>
               <a:ext uri="{FF2B5EF4-FFF2-40B4-BE49-F238E27FC236}">
-                <a16:creationId xmlns:a16="http://schemas.microsoft.com/office/drawing/2014/main" id="{558DC9DA-95A7-CF36-DA11-8CD8242F3048}"/>
+                <a16:creationId xmlns:a16="http://schemas.microsoft.com/office/drawing/2014/main" id="{FA22E397-D5B6-C22E-AECB-A16BD5753363}"/>
               </a:ext>
             </a:extLst>
           </p:cNvPr>
@@ -2373,7 +2373,7 @@
           <a:bodyPr/>
           <a:lstStyle/>
           <a:p>
-            <a:fld id="{B5BBA411-823F-4EE8-9578-9D5CA0D25E36}" type="datetimeFigureOut">
+            <a:fld id="{1BC9C082-AFD6-4E1F-A80A-B3C525A73504}" type="datetimeFigureOut">
               <a:rPr lang="zh-CN" altLang="en-US" smtClean="0"/>
               <a:t>2024/3/10</a:t>
             </a:fld>
@@ -2386,7 +2386,7 @@
           <p:cNvPr id="6" name="页脚占位符 5">
             <a:extLst>
               <a:ext uri="{FF2B5EF4-FFF2-40B4-BE49-F238E27FC236}">
-                <a16:creationId xmlns:a16="http://schemas.microsoft.com/office/drawing/2014/main" id="{07305BC2-61DC-4FAC-BF33-80FC114D6DEF}"/>
+                <a16:creationId xmlns:a16="http://schemas.microsoft.com/office/drawing/2014/main" id="{73D5C770-C409-2C4E-DF6C-E2448372A7DD}"/>
               </a:ext>
             </a:extLst>
           </p:cNvPr>
@@ -2411,7 +2411,7 @@
           <p:cNvPr id="7" name="灯片编号占位符 6">
             <a:extLst>
               <a:ext uri="{FF2B5EF4-FFF2-40B4-BE49-F238E27FC236}">
-                <a16:creationId xmlns:a16="http://schemas.microsoft.com/office/drawing/2014/main" id="{8370F5AA-1DD8-5B9B-70F9-B59AD13D1AF8}"/>
+                <a16:creationId xmlns:a16="http://schemas.microsoft.com/office/drawing/2014/main" id="{8FBBE670-F18C-8201-DFAD-815234F21369}"/>
               </a:ext>
             </a:extLst>
           </p:cNvPr>
@@ -2427,7 +2427,7 @@
           <a:bodyPr/>
           <a:lstStyle/>
           <a:p>
-            <a:fld id="{C029E016-1B31-4013-9191-B7BA7A85AE99}" type="slidenum">
+            <a:fld id="{BAC595D5-78A7-4000-8EAE-4C97D0E742C0}" type="slidenum">
               <a:rPr lang="zh-CN" altLang="en-US" smtClean="0"/>
               <a:t>‹#›</a:t>
             </a:fld>
@@ -2438,7 +2438,7 @@
     </p:spTree>
     <p:extLst>
       <p:ext uri="{BB962C8B-B14F-4D97-AF65-F5344CB8AC3E}">
-        <p14:creationId xmlns:p14="http://schemas.microsoft.com/office/powerpoint/2010/main" val="3420228436"/>
+        <p14:creationId xmlns:p14="http://schemas.microsoft.com/office/powerpoint/2010/main" val="3013572627"/>
       </p:ext>
     </p:extLst>
   </p:cSld>
@@ -2470,7 +2470,7 @@
           <p:cNvPr id="2" name="标题 1">
             <a:extLst>
               <a:ext uri="{FF2B5EF4-FFF2-40B4-BE49-F238E27FC236}">
-                <a16:creationId xmlns:a16="http://schemas.microsoft.com/office/drawing/2014/main" id="{BCC3F2A3-C007-64F6-B5A3-693F07C61CFB}"/>
+                <a16:creationId xmlns:a16="http://schemas.microsoft.com/office/drawing/2014/main" id="{7964BB58-C905-C62B-A2FA-78C06D9B2AEB}"/>
               </a:ext>
             </a:extLst>
           </p:cNvPr>
@@ -2507,7 +2507,7 @@
           <p:cNvPr id="3" name="图片占位符 2">
             <a:extLst>
               <a:ext uri="{FF2B5EF4-FFF2-40B4-BE49-F238E27FC236}">
-                <a16:creationId xmlns:a16="http://schemas.microsoft.com/office/drawing/2014/main" id="{58A9A246-F5AD-3C83-C296-36E27D2CF6FD}"/>
+                <a16:creationId xmlns:a16="http://schemas.microsoft.com/office/drawing/2014/main" id="{BA703EC6-EFEC-95F9-D4D1-0164886C67D9}"/>
               </a:ext>
             </a:extLst>
           </p:cNvPr>
@@ -2574,7 +2574,7 @@
           <p:cNvPr id="4" name="文本占位符 3">
             <a:extLst>
               <a:ext uri="{FF2B5EF4-FFF2-40B4-BE49-F238E27FC236}">
-                <a16:creationId xmlns:a16="http://schemas.microsoft.com/office/drawing/2014/main" id="{E115CCB6-36A1-B333-7383-038AA3C435FE}"/>
+                <a16:creationId xmlns:a16="http://schemas.microsoft.com/office/drawing/2014/main" id="{252D592D-B198-8E91-1BC3-EB707C514170}"/>
               </a:ext>
             </a:extLst>
           </p:cNvPr>
@@ -2645,7 +2645,7 @@
           <p:cNvPr id="5" name="日期占位符 4">
             <a:extLst>
               <a:ext uri="{FF2B5EF4-FFF2-40B4-BE49-F238E27FC236}">
-                <a16:creationId xmlns:a16="http://schemas.microsoft.com/office/drawing/2014/main" id="{180E8A0A-4CAD-6D31-FFA9-F519D5E74967}"/>
+                <a16:creationId xmlns:a16="http://schemas.microsoft.com/office/drawing/2014/main" id="{9169EFE4-5F64-7B30-5156-27A9D24DE80F}"/>
               </a:ext>
             </a:extLst>
           </p:cNvPr>
@@ -2661,7 +2661,7 @@
           <a:bodyPr/>
           <a:lstStyle/>
           <a:p>
-            <a:fld id="{B5BBA411-823F-4EE8-9578-9D5CA0D25E36}" type="datetimeFigureOut">
+            <a:fld id="{1BC9C082-AFD6-4E1F-A80A-B3C525A73504}" type="datetimeFigureOut">
               <a:rPr lang="zh-CN" altLang="en-US" smtClean="0"/>
               <a:t>2024/3/10</a:t>
             </a:fld>
@@ -2674,7 +2674,7 @@
           <p:cNvPr id="6" name="页脚占位符 5">
             <a:extLst>
               <a:ext uri="{FF2B5EF4-FFF2-40B4-BE49-F238E27FC236}">
-                <a16:creationId xmlns:a16="http://schemas.microsoft.com/office/drawing/2014/main" id="{43CDBB7C-CA74-F5CB-F778-05D9A170FA33}"/>
+                <a16:creationId xmlns:a16="http://schemas.microsoft.com/office/drawing/2014/main" id="{8C0632C8-7535-8B7B-9F2C-E0AF64370C96}"/>
               </a:ext>
             </a:extLst>
           </p:cNvPr>
@@ -2699,7 +2699,7 @@
           <p:cNvPr id="7" name="灯片编号占位符 6">
             <a:extLst>
               <a:ext uri="{FF2B5EF4-FFF2-40B4-BE49-F238E27FC236}">
-                <a16:creationId xmlns:a16="http://schemas.microsoft.com/office/drawing/2014/main" id="{9FD0F4B7-2620-7B9D-64ED-DC086CE9D1CD}"/>
+                <a16:creationId xmlns:a16="http://schemas.microsoft.com/office/drawing/2014/main" id="{5DCCB2C0-6518-9BAB-4CD7-4195B8922CCC}"/>
               </a:ext>
             </a:extLst>
           </p:cNvPr>
@@ -2715,7 +2715,7 @@
           <a:bodyPr/>
           <a:lstStyle/>
           <a:p>
-            <a:fld id="{C029E016-1B31-4013-9191-B7BA7A85AE99}" type="slidenum">
+            <a:fld id="{BAC595D5-78A7-4000-8EAE-4C97D0E742C0}" type="slidenum">
               <a:rPr lang="zh-CN" altLang="en-US" smtClean="0"/>
               <a:t>‹#›</a:t>
             </a:fld>
@@ -2726,7 +2726,7 @@
     </p:spTree>
     <p:extLst>
       <p:ext uri="{BB962C8B-B14F-4D97-AF65-F5344CB8AC3E}">
-        <p14:creationId xmlns:p14="http://schemas.microsoft.com/office/powerpoint/2010/main" val="3316470300"/>
+        <p14:creationId xmlns:p14="http://schemas.microsoft.com/office/powerpoint/2010/main" val="3926766256"/>
       </p:ext>
     </p:extLst>
   </p:cSld>
@@ -2763,7 +2763,7 @@
           <p:cNvPr id="2" name="标题占位符 1">
             <a:extLst>
               <a:ext uri="{FF2B5EF4-FFF2-40B4-BE49-F238E27FC236}">
-                <a16:creationId xmlns:a16="http://schemas.microsoft.com/office/drawing/2014/main" id="{A4C45EBE-3BBC-87F3-F042-9788EF53D461}"/>
+                <a16:creationId xmlns:a16="http://schemas.microsoft.com/office/drawing/2014/main" id="{F51DB3BD-1D1A-AA29-835F-9604C59A4097}"/>
               </a:ext>
             </a:extLst>
           </p:cNvPr>
@@ -2801,7 +2801,7 @@
           <p:cNvPr id="3" name="文本占位符 2">
             <a:extLst>
               <a:ext uri="{FF2B5EF4-FFF2-40B4-BE49-F238E27FC236}">
-                <a16:creationId xmlns:a16="http://schemas.microsoft.com/office/drawing/2014/main" id="{CD1906C6-AD86-6DF2-7DBC-B9527752DB2D}"/>
+                <a16:creationId xmlns:a16="http://schemas.microsoft.com/office/drawing/2014/main" id="{FDEB6E8A-24A5-A980-D5D1-50D79B533D0D}"/>
               </a:ext>
             </a:extLst>
           </p:cNvPr>
@@ -2868,7 +2868,7 @@
           <p:cNvPr id="4" name="日期占位符 3">
             <a:extLst>
               <a:ext uri="{FF2B5EF4-FFF2-40B4-BE49-F238E27FC236}">
-                <a16:creationId xmlns:a16="http://schemas.microsoft.com/office/drawing/2014/main" id="{34D826E9-0029-8194-DF23-FD40DFD39318}"/>
+                <a16:creationId xmlns:a16="http://schemas.microsoft.com/office/drawing/2014/main" id="{5B93E74C-8FB2-E9DC-A5A5-B6EF8FCEDCCC}"/>
               </a:ext>
             </a:extLst>
           </p:cNvPr>
@@ -2902,7 +2902,7 @@
             </a:lvl1pPr>
           </a:lstStyle>
           <a:p>
-            <a:fld id="{B5BBA411-823F-4EE8-9578-9D5CA0D25E36}" type="datetimeFigureOut">
+            <a:fld id="{1BC9C082-AFD6-4E1F-A80A-B3C525A73504}" type="datetimeFigureOut">
               <a:rPr lang="zh-CN" altLang="en-US" smtClean="0"/>
               <a:t>2024/3/10</a:t>
             </a:fld>
@@ -2915,7 +2915,7 @@
           <p:cNvPr id="5" name="页脚占位符 4">
             <a:extLst>
               <a:ext uri="{FF2B5EF4-FFF2-40B4-BE49-F238E27FC236}">
-                <a16:creationId xmlns:a16="http://schemas.microsoft.com/office/drawing/2014/main" id="{2CD95E8F-C2F7-207E-7C8E-F1015EBBA07A}"/>
+                <a16:creationId xmlns:a16="http://schemas.microsoft.com/office/drawing/2014/main" id="{2F8D80B9-B144-F53A-59FD-A897D7C78968}"/>
               </a:ext>
             </a:extLst>
           </p:cNvPr>
@@ -2958,7 +2958,7 @@
           <p:cNvPr id="6" name="灯片编号占位符 5">
             <a:extLst>
               <a:ext uri="{FF2B5EF4-FFF2-40B4-BE49-F238E27FC236}">
-                <a16:creationId xmlns:a16="http://schemas.microsoft.com/office/drawing/2014/main" id="{32B7AB87-2C63-7F05-01D9-F02661CD7578}"/>
+                <a16:creationId xmlns:a16="http://schemas.microsoft.com/office/drawing/2014/main" id="{DA62EE04-56E7-0EA3-BB03-B115B4A32339}"/>
               </a:ext>
             </a:extLst>
           </p:cNvPr>
@@ -2992,7 +2992,7 @@
             </a:lvl1pPr>
           </a:lstStyle>
           <a:p>
-            <a:fld id="{C029E016-1B31-4013-9191-B7BA7A85AE99}" type="slidenum">
+            <a:fld id="{BAC595D5-78A7-4000-8EAE-4C97D0E742C0}" type="slidenum">
               <a:rPr lang="zh-CN" altLang="en-US" smtClean="0"/>
               <a:t>‹#›</a:t>
             </a:fld>
@@ -3003,7 +3003,7 @@
     </p:spTree>
     <p:extLst>
       <p:ext uri="{BB962C8B-B14F-4D97-AF65-F5344CB8AC3E}">
-        <p14:creationId xmlns:p14="http://schemas.microsoft.com/office/powerpoint/2010/main" val="933397939"/>
+        <p14:creationId xmlns:p14="http://schemas.microsoft.com/office/powerpoint/2010/main" val="957014305"/>
       </p:ext>
     </p:extLst>
   </p:cSld>
